--- a/data analysis/SNR study ERP.pptx
+++ b/data analysis/SNR study ERP.pptx
@@ -7,7 +7,9 @@
   <p:sldIdLst>
     <p:sldId id="257" r:id="rId2"/>
     <p:sldId id="256" r:id="rId3"/>
-    <p:sldId id="258" r:id="rId4"/>
+    <p:sldId id="259" r:id="rId4"/>
+    <p:sldId id="258" r:id="rId5"/>
+    <p:sldId id="260" r:id="rId6"/>
   </p:sldIdLst>
   <p:sldSz cx="12192000" cy="6858000"/>
   <p:notesSz cx="6858000" cy="9144000"/>
@@ -106,7 +108,24 @@
       </a:defRPr>
     </a:lvl9pPr>
   </p:defaultTextStyle>
+  <p:extLst>
+    <p:ext uri="{EFAFB233-063F-42B5-8137-9DF3F51BA10A}">
+      <p15:sldGuideLst xmlns:p15="http://schemas.microsoft.com/office/powerpoint/2012/main"/>
+    </p:ext>
+  </p:extLst>
 </p:presentation>
+</file>
+
+<file path=ppt/commentAuthors.xml><?xml version="1.0" encoding="utf-8"?>
+<p:cmAuthorLst xmlns:a="http://schemas.openxmlformats.org/drawingml/2006/main" xmlns:r="http://schemas.openxmlformats.org/officeDocument/2006/relationships" xmlns:p="http://schemas.openxmlformats.org/presentationml/2006/main">
+  <p:cmAuthor id="1" name="Michael Lee" initials="ML" lastIdx="1" clrIdx="0">
+    <p:extLst>
+      <p:ext uri="{19B8F6BF-5375-455C-9EA6-DF929625EA0E}">
+        <p15:presenceInfo xmlns:p15="http://schemas.microsoft.com/office/powerpoint/2012/main" userId="735e9cbd08f096d8" providerId="Windows Live"/>
+      </p:ext>
+    </p:extLst>
+  </p:cmAuthor>
+</p:cmAuthorLst>
 </file>
 
 <file path=ppt/slideLayouts/slideLayout1.xml><?xml version="1.0" encoding="utf-8"?>
@@ -240,7 +259,7 @@
           <a:p>
             <a:fld id="{106C94B5-C494-4CE3-9E82-F456939D53E9}" type="datetimeFigureOut">
               <a:rPr lang="en-US" smtClean="0"/>
-              <a:t>7/20/2017</a:t>
+              <a:t>7/25/2017</a:t>
             </a:fld>
             <a:endParaRPr lang="en-US"/>
           </a:p>
@@ -410,7 +429,7 @@
           <a:p>
             <a:fld id="{106C94B5-C494-4CE3-9E82-F456939D53E9}" type="datetimeFigureOut">
               <a:rPr lang="en-US" smtClean="0"/>
-              <a:t>7/20/2017</a:t>
+              <a:t>7/25/2017</a:t>
             </a:fld>
             <a:endParaRPr lang="en-US"/>
           </a:p>
@@ -590,7 +609,7 @@
           <a:p>
             <a:fld id="{106C94B5-C494-4CE3-9E82-F456939D53E9}" type="datetimeFigureOut">
               <a:rPr lang="en-US" smtClean="0"/>
-              <a:t>7/20/2017</a:t>
+              <a:t>7/25/2017</a:t>
             </a:fld>
             <a:endParaRPr lang="en-US"/>
           </a:p>
@@ -760,7 +779,7 @@
           <a:p>
             <a:fld id="{106C94B5-C494-4CE3-9E82-F456939D53E9}" type="datetimeFigureOut">
               <a:rPr lang="en-US" smtClean="0"/>
-              <a:t>7/20/2017</a:t>
+              <a:t>7/25/2017</a:t>
             </a:fld>
             <a:endParaRPr lang="en-US"/>
           </a:p>
@@ -1006,7 +1025,7 @@
           <a:p>
             <a:fld id="{106C94B5-C494-4CE3-9E82-F456939D53E9}" type="datetimeFigureOut">
               <a:rPr lang="en-US" smtClean="0"/>
-              <a:t>7/20/2017</a:t>
+              <a:t>7/25/2017</a:t>
             </a:fld>
             <a:endParaRPr lang="en-US"/>
           </a:p>
@@ -1238,7 +1257,7 @@
           <a:p>
             <a:fld id="{106C94B5-C494-4CE3-9E82-F456939D53E9}" type="datetimeFigureOut">
               <a:rPr lang="en-US" smtClean="0"/>
-              <a:t>7/20/2017</a:t>
+              <a:t>7/25/2017</a:t>
             </a:fld>
             <a:endParaRPr lang="en-US"/>
           </a:p>
@@ -1605,7 +1624,7 @@
           <a:p>
             <a:fld id="{106C94B5-C494-4CE3-9E82-F456939D53E9}" type="datetimeFigureOut">
               <a:rPr lang="en-US" smtClean="0"/>
-              <a:t>7/20/2017</a:t>
+              <a:t>7/25/2017</a:t>
             </a:fld>
             <a:endParaRPr lang="en-US"/>
           </a:p>
@@ -1723,7 +1742,7 @@
           <a:p>
             <a:fld id="{106C94B5-C494-4CE3-9E82-F456939D53E9}" type="datetimeFigureOut">
               <a:rPr lang="en-US" smtClean="0"/>
-              <a:t>7/20/2017</a:t>
+              <a:t>7/25/2017</a:t>
             </a:fld>
             <a:endParaRPr lang="en-US"/>
           </a:p>
@@ -1818,7 +1837,7 @@
           <a:p>
             <a:fld id="{106C94B5-C494-4CE3-9E82-F456939D53E9}" type="datetimeFigureOut">
               <a:rPr lang="en-US" smtClean="0"/>
-              <a:t>7/20/2017</a:t>
+              <a:t>7/25/2017</a:t>
             </a:fld>
             <a:endParaRPr lang="en-US"/>
           </a:p>
@@ -2095,7 +2114,7 @@
           <a:p>
             <a:fld id="{106C94B5-C494-4CE3-9E82-F456939D53E9}" type="datetimeFigureOut">
               <a:rPr lang="en-US" smtClean="0"/>
-              <a:t>7/20/2017</a:t>
+              <a:t>7/25/2017</a:t>
             </a:fld>
             <a:endParaRPr lang="en-US"/>
           </a:p>
@@ -2348,7 +2367,7 @@
           <a:p>
             <a:fld id="{106C94B5-C494-4CE3-9E82-F456939D53E9}" type="datetimeFigureOut">
               <a:rPr lang="en-US" smtClean="0"/>
-              <a:t>7/20/2017</a:t>
+              <a:t>7/25/2017</a:t>
             </a:fld>
             <a:endParaRPr lang="en-US"/>
           </a:p>
@@ -2561,7 +2580,7 @@
           <a:p>
             <a:fld id="{106C94B5-C494-4CE3-9E82-F456939D53E9}" type="datetimeFigureOut">
               <a:rPr lang="en-US" smtClean="0"/>
-              <a:t>7/20/2017</a:t>
+              <a:t>7/25/2017</a:t>
             </a:fld>
             <a:endParaRPr lang="en-US"/>
           </a:p>
@@ -2984,7 +3003,7 @@
             <a:pPr algn="ctr"/>
             <a:r>
               <a:rPr lang="en-US" dirty="0" smtClean="0"/>
-              <a:t>SNR study ERP</a:t>
+              <a:t>SNR study P1-N1-P2 ERP</a:t>
             </a:r>
             <a:endParaRPr lang="en-US" dirty="0"/>
           </a:p>
@@ -3002,13 +3021,40 @@
         </p:nvSpPr>
         <p:spPr/>
         <p:txBody>
-          <a:bodyPr/>
+          <a:bodyPr>
+            <a:normAutofit lnSpcReduction="10000"/>
+          </a:bodyPr>
           <a:lstStyle/>
           <a:p>
             <a:r>
               <a:rPr lang="en-US" dirty="0" smtClean="0"/>
-              <a:t>Mostly older subjects</a:t>
-            </a:r>
+              <a:t>Age</a:t>
+            </a:r>
+            <a:r>
+              <a:rPr lang="en-US" dirty="0"/>
+              <a:t>: mean=65 (</a:t>
+            </a:r>
+            <a:r>
+              <a:rPr lang="en-US" dirty="0" smtClean="0"/>
+              <a:t>31-79)</a:t>
+            </a:r>
+          </a:p>
+          <a:p>
+            <a:r>
+              <a:rPr lang="en-US" dirty="0" smtClean="0"/>
+              <a:t>PTA levels: mean=38 (12.5-54)</a:t>
+            </a:r>
+          </a:p>
+          <a:p>
+            <a:r>
+              <a:rPr lang="en-US" dirty="0"/>
+              <a:t>Hearing aid users. </a:t>
+            </a:r>
+            <a:r>
+              <a:rPr lang="en-US" dirty="0" smtClean="0"/>
+              <a:t>&gt;7 hours a week</a:t>
+            </a:r>
+            <a:endParaRPr lang="en-US" dirty="0"/>
           </a:p>
           <a:p>
             <a:r>
@@ -3026,15 +3072,23 @@
             <a:pPr lvl="1"/>
             <a:r>
               <a:rPr lang="en-US" dirty="0" smtClean="0"/>
-              <a:t>Resample to 250hz. Filter low=1hz, high=100hz. Load channel locations=Neuroscan65.elp. </a:t>
-            </a:r>
-            <a:r>
-              <a:rPr lang="en-US" dirty="0" err="1" smtClean="0"/>
-              <a:t>Rereference</a:t>
+              <a:t>Resample to 250hz. </a:t>
             </a:r>
             <a:r>
               <a:rPr lang="en-US" dirty="0" smtClean="0"/>
-              <a:t> to average. Epoch data for clean </a:t>
+              <a:t>Load </a:t>
+            </a:r>
+            <a:r>
+              <a:rPr lang="en-US" dirty="0" smtClean="0"/>
+              <a:t>channel locations=Neuroscan65.elp. </a:t>
+            </a:r>
+            <a:r>
+              <a:rPr lang="en-US" dirty="0" smtClean="0"/>
+              <a:t>Epoch </a:t>
+            </a:r>
+            <a:r>
+              <a:rPr lang="en-US" dirty="0" smtClean="0"/>
+              <a:t>data for clean </a:t>
             </a:r>
             <a:r>
               <a:rPr lang="en-US" dirty="0" err="1" smtClean="0"/>
@@ -3050,8 +3104,71 @@
             </a:r>
             <a:r>
               <a:rPr lang="en-US" dirty="0" smtClean="0"/>
-              <a:t>. Remove bad components. Remove bad epochs.</a:t>
-            </a:r>
+              <a:t>. Remove bad components. Remove bad epochs</a:t>
+            </a:r>
+            <a:r>
+              <a:rPr lang="en-US" dirty="0"/>
+              <a:t>. </a:t>
+            </a:r>
+            <a:r>
+              <a:rPr lang="en-US" dirty="0" err="1"/>
+              <a:t>Rereference</a:t>
+            </a:r>
+            <a:r>
+              <a:rPr lang="en-US" dirty="0"/>
+              <a:t> to average. </a:t>
+            </a:r>
+            <a:r>
+              <a:rPr lang="en-US" dirty="0" smtClean="0"/>
+              <a:t>Filter </a:t>
+            </a:r>
+            <a:r>
+              <a:rPr lang="en-US" dirty="0"/>
+              <a:t>high pass=1hz, low pass=30hz.</a:t>
+            </a:r>
+            <a:endParaRPr lang="en-US" dirty="0" smtClean="0"/>
+          </a:p>
+          <a:p>
+            <a:r>
+              <a:rPr lang="en-US" dirty="0" smtClean="0"/>
+              <a:t>Protocol:</a:t>
+            </a:r>
+          </a:p>
+          <a:p>
+            <a:pPr lvl="1"/>
+            <a:r>
+              <a:rPr lang="en-US" dirty="0" smtClean="0"/>
+              <a:t>250 Clean </a:t>
+            </a:r>
+            <a:r>
+              <a:rPr lang="en-US" dirty="0" err="1" smtClean="0"/>
+              <a:t>ba’s</a:t>
+            </a:r>
+            <a:r>
+              <a:rPr lang="en-US" dirty="0" smtClean="0"/>
+              <a:t> [MMBF7] with no noise. Sound level 30 </a:t>
+            </a:r>
+            <a:r>
+              <a:rPr lang="en-US" dirty="0" err="1" smtClean="0"/>
+              <a:t>db</a:t>
+            </a:r>
+            <a:r>
+              <a:rPr lang="en-US" dirty="0" smtClean="0"/>
+              <a:t> above PTA </a:t>
+            </a:r>
+            <a:endParaRPr lang="en-US" dirty="0" smtClean="0"/>
+          </a:p>
+          <a:p>
+            <a:pPr marL="457200" lvl="1" indent="0">
+              <a:buNone/>
+            </a:pPr>
+            <a:endParaRPr lang="en-US" dirty="0" smtClean="0"/>
+          </a:p>
+          <a:p>
+            <a:pPr marL="457200" lvl="1" indent="0">
+              <a:buNone/>
+            </a:pPr>
+            <a:endParaRPr lang="en-US" dirty="0" smtClean="0"/>
           </a:p>
           <a:p>
             <a:pPr lvl="1"/>
@@ -3069,6 +3186,13 @@
   <p:clrMapOvr>
     <a:masterClrMapping/>
   </p:clrMapOvr>
+  <p:timing>
+    <p:tnLst>
+      <p:par>
+        <p:cTn id="1" dur="indefinite" restart="never" nodeType="tmRoot"/>
+      </p:par>
+    </p:tnLst>
+  </p:timing>
 </p:sld>
 </file>
 
@@ -3105,7 +3229,7 @@
         </p:blipFill>
         <p:spPr>
           <a:xfrm>
-            <a:off x="243973" y="245899"/>
+            <a:off x="243973" y="265431"/>
             <a:ext cx="11309852" cy="6528127"/>
           </a:xfrm>
           <a:prstGeom prst="rect">
@@ -3113,6 +3237,207 @@
           </a:prstGeom>
         </p:spPr>
       </p:pic>
+      <p:sp>
+        <p:nvSpPr>
+          <p:cNvPr id="2" name="TextBox 1"/>
+          <p:cNvSpPr txBox="1"/>
+          <p:nvPr/>
+        </p:nvSpPr>
+        <p:spPr>
+          <a:xfrm>
+            <a:off x="243973" y="125583"/>
+            <a:ext cx="1399742" cy="369332"/>
+          </a:xfrm>
+          <a:prstGeom prst="rect">
+            <a:avLst/>
+          </a:prstGeom>
+          <a:noFill/>
+        </p:spPr>
+        <p:txBody>
+          <a:bodyPr wrap="none" rtlCol="0">
+            <a:spAutoFit/>
+          </a:bodyPr>
+          <a:lstStyle/>
+          <a:p>
+            <a:r>
+              <a:rPr lang="en-US" dirty="0" smtClean="0"/>
+              <a:t>Subject 1018</a:t>
+            </a:r>
+            <a:endParaRPr lang="en-US" dirty="0"/>
+          </a:p>
+        </p:txBody>
+      </p:sp>
+      <p:grpSp>
+        <p:nvGrpSpPr>
+          <p:cNvPr id="13" name="Group 12"/>
+          <p:cNvGrpSpPr/>
+          <p:nvPr/>
+        </p:nvGrpSpPr>
+        <p:grpSpPr>
+          <a:xfrm>
+            <a:off x="5898899" y="125582"/>
+            <a:ext cx="5957337" cy="3654265"/>
+            <a:chOff x="5898899" y="125582"/>
+            <a:chExt cx="5957337" cy="3654265"/>
+          </a:xfrm>
+          <a:solidFill>
+            <a:schemeClr val="bg1">
+              <a:alpha val="0"/>
+            </a:schemeClr>
+          </a:solidFill>
+        </p:grpSpPr>
+        <p:pic>
+          <p:nvPicPr>
+            <p:cNvPr id="5" name="Picture 4"/>
+            <p:cNvPicPr>
+              <a:picLocks noChangeAspect="1"/>
+            </p:cNvPicPr>
+            <p:nvPr/>
+          </p:nvPicPr>
+          <p:blipFill>
+            <a:blip r:embed="rId3"/>
+            <a:stretch>
+              <a:fillRect/>
+            </a:stretch>
+          </p:blipFill>
+          <p:spPr>
+            <a:xfrm>
+              <a:off x="6612312" y="125582"/>
+              <a:ext cx="5243924" cy="3533949"/>
+            </a:xfrm>
+            <a:prstGeom prst="rect">
+              <a:avLst/>
+            </a:prstGeom>
+            <a:grpFill/>
+            <a:ln>
+              <a:solidFill>
+                <a:schemeClr val="tx1"/>
+              </a:solidFill>
+            </a:ln>
+            <a:effectLst>
+              <a:softEdge rad="0"/>
+            </a:effectLst>
+          </p:spPr>
+        </p:pic>
+        <p:cxnSp>
+          <p:nvCxnSpPr>
+            <p:cNvPr id="6" name="Straight Connector 5"/>
+            <p:cNvCxnSpPr/>
+            <p:nvPr/>
+          </p:nvCxnSpPr>
+          <p:spPr>
+            <a:xfrm flipH="1">
+              <a:off x="5898899" y="125582"/>
+              <a:ext cx="713414" cy="3034713"/>
+            </a:xfrm>
+            <a:prstGeom prst="line">
+              <a:avLst/>
+            </a:prstGeom>
+            <a:grpFill/>
+            <a:ln w="19050">
+              <a:solidFill>
+                <a:schemeClr val="tx1"/>
+              </a:solidFill>
+            </a:ln>
+          </p:spPr>
+          <p:style>
+            <a:lnRef idx="1">
+              <a:schemeClr val="accent1"/>
+            </a:lnRef>
+            <a:fillRef idx="0">
+              <a:schemeClr val="accent1"/>
+            </a:fillRef>
+            <a:effectRef idx="0">
+              <a:schemeClr val="accent1"/>
+            </a:effectRef>
+            <a:fontRef idx="minor">
+              <a:schemeClr val="tx1"/>
+            </a:fontRef>
+          </p:style>
+        </p:cxnSp>
+        <p:cxnSp>
+          <p:nvCxnSpPr>
+            <p:cNvPr id="10" name="Straight Connector 9"/>
+            <p:cNvCxnSpPr/>
+            <p:nvPr/>
+          </p:nvCxnSpPr>
+          <p:spPr>
+            <a:xfrm flipH="1">
+              <a:off x="6612312" y="3659531"/>
+              <a:ext cx="5243924" cy="120316"/>
+            </a:xfrm>
+            <a:prstGeom prst="line">
+              <a:avLst/>
+            </a:prstGeom>
+            <a:grpFill/>
+            <a:ln w="19050">
+              <a:solidFill>
+                <a:schemeClr val="tx1"/>
+              </a:solidFill>
+            </a:ln>
+          </p:spPr>
+          <p:style>
+            <a:lnRef idx="1">
+              <a:schemeClr val="accent1"/>
+            </a:lnRef>
+            <a:fillRef idx="0">
+              <a:schemeClr val="accent1"/>
+            </a:fillRef>
+            <a:effectRef idx="0">
+              <a:schemeClr val="accent1"/>
+            </a:effectRef>
+            <a:fontRef idx="minor">
+              <a:schemeClr val="tx1"/>
+            </a:fontRef>
+          </p:style>
+        </p:cxnSp>
+      </p:grpSp>
+      <p:sp>
+        <p:nvSpPr>
+          <p:cNvPr id="19" name="Rectangle 18"/>
+          <p:cNvSpPr/>
+          <p:nvPr/>
+        </p:nvSpPr>
+        <p:spPr>
+          <a:xfrm>
+            <a:off x="5898899" y="3160295"/>
+            <a:ext cx="713413" cy="619552"/>
+          </a:xfrm>
+          <a:prstGeom prst="rect">
+            <a:avLst/>
+          </a:prstGeom>
+          <a:noFill/>
+          <a:ln>
+            <a:solidFill>
+              <a:schemeClr val="tx1"/>
+            </a:solidFill>
+          </a:ln>
+        </p:spPr>
+        <p:style>
+          <a:lnRef idx="2">
+            <a:schemeClr val="accent1">
+              <a:shade val="50000"/>
+            </a:schemeClr>
+          </a:lnRef>
+          <a:fillRef idx="1">
+            <a:schemeClr val="accent1"/>
+          </a:fillRef>
+          <a:effectRef idx="0">
+            <a:schemeClr val="accent1"/>
+          </a:effectRef>
+          <a:fontRef idx="minor">
+            <a:schemeClr val="lt1"/>
+          </a:fontRef>
+        </p:style>
+        <p:txBody>
+          <a:bodyPr rtlCol="0" anchor="ctr"/>
+          <a:lstStyle/>
+          <a:p>
+            <a:pPr algn="ctr"/>
+            <a:endParaRPr lang="en-US"/>
+          </a:p>
+        </p:txBody>
+      </p:sp>
     </p:spTree>
     <p:extLst>
       <p:ext uri="{BB962C8B-B14F-4D97-AF65-F5344CB8AC3E}">
@@ -3123,10 +3448,240 @@
   <p:clrMapOvr>
     <a:masterClrMapping/>
   </p:clrMapOvr>
+  <p:timing>
+    <p:tnLst>
+      <p:par>
+        <p:cTn id="1" dur="indefinite" restart="never" nodeType="tmRoot">
+          <p:childTnLst>
+            <p:seq concurrent="1" nextAc="seek">
+              <p:cTn id="2" dur="indefinite" nodeType="mainSeq">
+                <p:childTnLst>
+                  <p:par>
+                    <p:cTn id="3" fill="hold">
+                      <p:stCondLst>
+                        <p:cond delay="indefinite"/>
+                      </p:stCondLst>
+                      <p:childTnLst>
+                        <p:par>
+                          <p:cTn id="4" fill="hold">
+                            <p:stCondLst>
+                              <p:cond delay="0"/>
+                            </p:stCondLst>
+                            <p:childTnLst>
+                              <p:par>
+                                <p:cTn id="5" presetID="1" presetClass="entr" presetSubtype="0" fill="hold" grpId="0" nodeType="clickEffect">
+                                  <p:stCondLst>
+                                    <p:cond delay="0"/>
+                                  </p:stCondLst>
+                                  <p:childTnLst>
+                                    <p:set>
+                                      <p:cBhvr>
+                                        <p:cTn id="6" dur="1" fill="hold">
+                                          <p:stCondLst>
+                                            <p:cond delay="0"/>
+                                          </p:stCondLst>
+                                        </p:cTn>
+                                        <p:tgtEl>
+                                          <p:spTgt spid="19"/>
+                                        </p:tgtEl>
+                                        <p:attrNameLst>
+                                          <p:attrName>style.visibility</p:attrName>
+                                        </p:attrNameLst>
+                                      </p:cBhvr>
+                                      <p:to>
+                                        <p:strVal val="visible"/>
+                                      </p:to>
+                                    </p:set>
+                                  </p:childTnLst>
+                                </p:cTn>
+                              </p:par>
+                            </p:childTnLst>
+                          </p:cTn>
+                        </p:par>
+                      </p:childTnLst>
+                    </p:cTn>
+                  </p:par>
+                  <p:par>
+                    <p:cTn id="7" fill="hold">
+                      <p:stCondLst>
+                        <p:cond delay="indefinite"/>
+                      </p:stCondLst>
+                      <p:childTnLst>
+                        <p:par>
+                          <p:cTn id="8" fill="hold">
+                            <p:stCondLst>
+                              <p:cond delay="0"/>
+                            </p:stCondLst>
+                            <p:childTnLst>
+                              <p:par>
+                                <p:cTn id="9" presetID="1" presetClass="entr" presetSubtype="0" fill="hold" nodeType="clickEffect">
+                                  <p:stCondLst>
+                                    <p:cond delay="0"/>
+                                  </p:stCondLst>
+                                  <p:childTnLst>
+                                    <p:set>
+                                      <p:cBhvr>
+                                        <p:cTn id="10" dur="1" fill="hold">
+                                          <p:stCondLst>
+                                            <p:cond delay="0"/>
+                                          </p:stCondLst>
+                                        </p:cTn>
+                                        <p:tgtEl>
+                                          <p:spTgt spid="13"/>
+                                        </p:tgtEl>
+                                        <p:attrNameLst>
+                                          <p:attrName>style.visibility</p:attrName>
+                                        </p:attrNameLst>
+                                      </p:cBhvr>
+                                      <p:to>
+                                        <p:strVal val="visible"/>
+                                      </p:to>
+                                    </p:set>
+                                  </p:childTnLst>
+                                </p:cTn>
+                              </p:par>
+                            </p:childTnLst>
+                          </p:cTn>
+                        </p:par>
+                      </p:childTnLst>
+                    </p:cTn>
+                  </p:par>
+                </p:childTnLst>
+              </p:cTn>
+              <p:prevCondLst>
+                <p:cond evt="onPrev" delay="0">
+                  <p:tgtEl>
+                    <p:sldTgt/>
+                  </p:tgtEl>
+                </p:cond>
+              </p:prevCondLst>
+              <p:nextCondLst>
+                <p:cond evt="onNext" delay="0">
+                  <p:tgtEl>
+                    <p:sldTgt/>
+                  </p:tgtEl>
+                </p:cond>
+              </p:nextCondLst>
+            </p:seq>
+          </p:childTnLst>
+        </p:cTn>
+      </p:par>
+    </p:tnLst>
+    <p:bldLst>
+      <p:bldP spid="19" grpId="0" animBg="1"/>
+    </p:bldLst>
+  </p:timing>
 </p:sld>
 </file>
 
 <file path=ppt/slides/slide3.xml><?xml version="1.0" encoding="utf-8"?>
+<p:sld xmlns:a="http://schemas.openxmlformats.org/drawingml/2006/main" xmlns:r="http://schemas.openxmlformats.org/officeDocument/2006/relationships" xmlns:p="http://schemas.openxmlformats.org/presentationml/2006/main">
+  <p:cSld>
+    <p:spTree>
+      <p:nvGrpSpPr>
+        <p:cNvPr id="1" name=""/>
+        <p:cNvGrpSpPr/>
+        <p:nvPr/>
+      </p:nvGrpSpPr>
+      <p:grpSpPr>
+        <a:xfrm>
+          <a:off x="0" y="0"/>
+          <a:ext cx="0" cy="0"/>
+          <a:chOff x="0" y="0"/>
+          <a:chExt cx="0" cy="0"/>
+        </a:xfrm>
+      </p:grpSpPr>
+      <p:pic>
+        <p:nvPicPr>
+          <p:cNvPr id="4" name="Picture 3"/>
+          <p:cNvPicPr>
+            <a:picLocks noChangeAspect="1"/>
+          </p:cNvPicPr>
+          <p:nvPr/>
+        </p:nvPicPr>
+        <p:blipFill>
+          <a:blip r:embed="rId2"/>
+          <a:stretch>
+            <a:fillRect/>
+          </a:stretch>
+        </p:blipFill>
+        <p:spPr>
+          <a:xfrm>
+            <a:off x="219910" y="245899"/>
+            <a:ext cx="11309852" cy="6528127"/>
+          </a:xfrm>
+          <a:prstGeom prst="rect">
+            <a:avLst/>
+          </a:prstGeom>
+        </p:spPr>
+      </p:pic>
+      <p:sp>
+        <p:nvSpPr>
+          <p:cNvPr id="7" name="Rectangle 6"/>
+          <p:cNvSpPr/>
+          <p:nvPr/>
+        </p:nvSpPr>
+        <p:spPr>
+          <a:xfrm>
+            <a:off x="4901938" y="2526385"/>
+            <a:ext cx="2545237" cy="1894786"/>
+          </a:xfrm>
+          <a:prstGeom prst="rect">
+            <a:avLst/>
+          </a:prstGeom>
+          <a:noFill/>
+          <a:ln w="38100">
+            <a:solidFill>
+              <a:schemeClr val="tx1"/>
+            </a:solidFill>
+          </a:ln>
+        </p:spPr>
+        <p:style>
+          <a:lnRef idx="2">
+            <a:schemeClr val="accent1">
+              <a:shade val="50000"/>
+            </a:schemeClr>
+          </a:lnRef>
+          <a:fillRef idx="1">
+            <a:schemeClr val="accent1"/>
+          </a:fillRef>
+          <a:effectRef idx="0">
+            <a:schemeClr val="accent1"/>
+          </a:effectRef>
+          <a:fontRef idx="minor">
+            <a:schemeClr val="lt1"/>
+          </a:fontRef>
+        </p:style>
+        <p:txBody>
+          <a:bodyPr rtlCol="0" anchor="ctr"/>
+          <a:lstStyle/>
+          <a:p>
+            <a:pPr algn="ctr"/>
+            <a:endParaRPr lang="en-US"/>
+          </a:p>
+        </p:txBody>
+      </p:sp>
+    </p:spTree>
+    <p:extLst>
+      <p:ext uri="{BB962C8B-B14F-4D97-AF65-F5344CB8AC3E}">
+        <p14:creationId xmlns:p14="http://schemas.microsoft.com/office/powerpoint/2010/main" val="502810820"/>
+      </p:ext>
+    </p:extLst>
+  </p:cSld>
+  <p:clrMapOvr>
+    <a:masterClrMapping/>
+  </p:clrMapOvr>
+  <p:timing>
+    <p:tnLst>
+      <p:par>
+        <p:cTn id="1" dur="indefinite" restart="never" nodeType="tmRoot"/>
+      </p:par>
+    </p:tnLst>
+  </p:timing>
+</p:sld>
+</file>
+
+<file path=ppt/slides/slide4.xml><?xml version="1.0" encoding="utf-8"?>
 <p:sld xmlns:a="http://schemas.openxmlformats.org/drawingml/2006/main" xmlns:r="http://schemas.openxmlformats.org/officeDocument/2006/relationships" xmlns:p="http://schemas.openxmlformats.org/presentationml/2006/main">
   <p:cSld>
     <p:spTree>
@@ -3261,6 +3816,131 @@
   <p:clrMapOvr>
     <a:masterClrMapping/>
   </p:clrMapOvr>
+  <p:timing>
+    <p:tnLst>
+      <p:par>
+        <p:cTn id="1" dur="indefinite" restart="never" nodeType="tmRoot"/>
+      </p:par>
+    </p:tnLst>
+  </p:timing>
+</p:sld>
+</file>
+
+<file path=ppt/slides/slide5.xml><?xml version="1.0" encoding="utf-8"?>
+<p:sld xmlns:a="http://schemas.openxmlformats.org/drawingml/2006/main" xmlns:r="http://schemas.openxmlformats.org/officeDocument/2006/relationships" xmlns:p="http://schemas.openxmlformats.org/presentationml/2006/main">
+  <p:cSld>
+    <p:spTree>
+      <p:nvGrpSpPr>
+        <p:cNvPr id="1" name=""/>
+        <p:cNvGrpSpPr/>
+        <p:nvPr/>
+      </p:nvGrpSpPr>
+      <p:grpSpPr>
+        <a:xfrm>
+          <a:off x="0" y="0"/>
+          <a:ext cx="0" cy="0"/>
+          <a:chOff x="0" y="0"/>
+          <a:chExt cx="0" cy="0"/>
+        </a:xfrm>
+      </p:grpSpPr>
+      <p:sp>
+        <p:nvSpPr>
+          <p:cNvPr id="2" name="Title 1"/>
+          <p:cNvSpPr>
+            <a:spLocks noGrp="1"/>
+          </p:cNvSpPr>
+          <p:nvPr>
+            <p:ph type="title"/>
+          </p:nvPr>
+        </p:nvSpPr>
+        <p:spPr/>
+        <p:txBody>
+          <a:bodyPr/>
+          <a:lstStyle/>
+          <a:p>
+            <a:r>
+              <a:rPr lang="en-US" dirty="0" smtClean="0"/>
+              <a:t>Questions</a:t>
+            </a:r>
+            <a:endParaRPr lang="en-US" dirty="0"/>
+          </a:p>
+        </p:txBody>
+      </p:sp>
+      <p:sp>
+        <p:nvSpPr>
+          <p:cNvPr id="3" name="Content Placeholder 2"/>
+          <p:cNvSpPr>
+            <a:spLocks noGrp="1"/>
+          </p:cNvSpPr>
+          <p:nvPr>
+            <p:ph idx="1"/>
+          </p:nvPr>
+        </p:nvSpPr>
+        <p:spPr/>
+        <p:txBody>
+          <a:bodyPr/>
+          <a:lstStyle/>
+          <a:p>
+            <a:r>
+              <a:rPr lang="en-US" dirty="0" smtClean="0"/>
+              <a:t>Preprocessing appropriate?</a:t>
+            </a:r>
+          </a:p>
+          <a:p>
+            <a:r>
+              <a:rPr lang="en-US" dirty="0" smtClean="0"/>
+              <a:t>[Kate] How do SNR ERPs compare to normal hearing subjects, HL w/o HA and HL w/HA?</a:t>
+            </a:r>
+          </a:p>
+          <a:p>
+            <a:pPr lvl="1"/>
+            <a:r>
+              <a:rPr lang="en-US" dirty="0" smtClean="0"/>
+              <a:t>200 </a:t>
+            </a:r>
+            <a:r>
+              <a:rPr lang="en-US" dirty="0" err="1" smtClean="0"/>
+              <a:t>ms</a:t>
+            </a:r>
+            <a:r>
+              <a:rPr lang="en-US" dirty="0" smtClean="0"/>
+              <a:t> delay in N1</a:t>
+            </a:r>
+          </a:p>
+          <a:p>
+            <a:r>
+              <a:rPr lang="en-US" dirty="0" smtClean="0"/>
+              <a:t>Defining ROI</a:t>
+            </a:r>
+          </a:p>
+          <a:p>
+            <a:r>
+              <a:rPr lang="en-US" dirty="0" smtClean="0"/>
+              <a:t>Grand averaging by condition</a:t>
+            </a:r>
+          </a:p>
+          <a:p>
+            <a:endParaRPr lang="en-US" dirty="0"/>
+          </a:p>
+        </p:txBody>
+      </p:sp>
+    </p:spTree>
+    <p:extLst>
+      <p:ext uri="{BB962C8B-B14F-4D97-AF65-F5344CB8AC3E}">
+        <p14:creationId xmlns:p14="http://schemas.microsoft.com/office/powerpoint/2010/main" val="1130076140"/>
+      </p:ext>
+    </p:extLst>
+  </p:cSld>
+  <p:clrMapOvr>
+    <a:masterClrMapping/>
+  </p:clrMapOvr>
+  <p:timing>
+    <p:tnLst>
+      <p:par>
+        <p:cTn id="1" dur="indefinite" restart="never" nodeType="tmRoot"/>
+      </p:par>
+    </p:tnLst>
+  </p:timing>
 </p:sld>
 </file>
 
